--- a/Slide/Fast-SCNN.pptx
+++ b/Slide/Fast-SCNN.pptx
@@ -131,8 +131,46 @@
 <p1510:revInfo xmlns:a="http://schemas.openxmlformats.org/drawingml/2006/main" xmlns:r="http://schemas.openxmlformats.org/officeDocument/2006/relationships" xmlns:p1510="http://schemas.microsoft.com/office/powerpoint/2015/10/main">
   <p1510:revLst>
     <p1510:client id="{308C4857-C223-4F23-A6CE-04B587C9BBD9}" v="2" dt="2023-05-10T18:58:23.665"/>
+    <p1510:client id="{EC25F996-0D07-46BF-A2D2-16992E891FFF}" v="2" dt="2023-05-11T02:37:32.662"/>
   </p1510:revLst>
 </p1510:revInfo>
+</file>
+
+<file path=ppt/changesInfos/changesInfo1.xml><?xml version="1.0" encoding="utf-8"?>
+<pc:chgInfo xmlns:a="http://schemas.openxmlformats.org/drawingml/2006/main" xmlns:r="http://schemas.openxmlformats.org/officeDocument/2006/relationships" xmlns:ac="http://schemas.microsoft.com/office/drawing/2013/main/command" xmlns:pc="http://schemas.microsoft.com/office/powerpoint/2013/main/command">
+  <pc:docChgLst>
+    <pc:chgData name="Toàn Thắng Trần" userId="4396d40dd3cee419" providerId="LiveId" clId="{EC25F996-0D07-46BF-A2D2-16992E891FFF}"/>
+    <pc:docChg chg="modSld">
+      <pc:chgData name="Toàn Thắng Trần" userId="4396d40dd3cee419" providerId="LiveId" clId="{EC25F996-0D07-46BF-A2D2-16992E891FFF}" dt="2023-05-11T02:37:44.685" v="22" actId="20577"/>
+      <pc:docMkLst>
+        <pc:docMk/>
+      </pc:docMkLst>
+      <pc:sldChg chg="addSp modSp mod">
+        <pc:chgData name="Toàn Thắng Trần" userId="4396d40dd3cee419" providerId="LiveId" clId="{EC25F996-0D07-46BF-A2D2-16992E891FFF}" dt="2023-05-11T02:37:44.685" v="22" actId="20577"/>
+        <pc:sldMkLst>
+          <pc:docMk/>
+          <pc:sldMk cId="2144283342" sldId="266"/>
+        </pc:sldMkLst>
+        <pc:spChg chg="mod">
+          <ac:chgData name="Toàn Thắng Trần" userId="4396d40dd3cee419" providerId="LiveId" clId="{EC25F996-0D07-46BF-A2D2-16992E891FFF}" dt="2023-05-11T02:34:55.230" v="0" actId="1076"/>
+          <ac:spMkLst>
+            <pc:docMk/>
+            <pc:sldMk cId="2144283342" sldId="266"/>
+            <ac:spMk id="3" creationId="{A87AB634-D297-BB5D-9EEF-EB46370035F4}"/>
+          </ac:spMkLst>
+        </pc:spChg>
+        <pc:spChg chg="add mod">
+          <ac:chgData name="Toàn Thắng Trần" userId="4396d40dd3cee419" providerId="LiveId" clId="{EC25F996-0D07-46BF-A2D2-16992E891FFF}" dt="2023-05-11T02:37:44.685" v="22" actId="20577"/>
+          <ac:spMkLst>
+            <pc:docMk/>
+            <pc:sldMk cId="2144283342" sldId="266"/>
+            <ac:spMk id="4" creationId="{4FBD146A-CC64-F72B-F94D-E9792E807AB6}"/>
+          </ac:spMkLst>
+        </pc:spChg>
+      </pc:sldChg>
+    </pc:docChg>
+  </pc:docChgLst>
+</pc:chgInfo>
 </file>
 
 <file path=ppt/slideLayouts/slideLayout1.xml><?xml version="1.0" encoding="utf-8"?>
@@ -6119,7 +6157,7 @@
         </p:nvSpPr>
         <p:spPr>
           <a:xfrm>
-            <a:off x="2440737" y="3429000"/>
+            <a:off x="1554594" y="2523227"/>
             <a:ext cx="8110623" cy="2743200"/>
           </a:xfrm>
         </p:spPr>
@@ -6259,6 +6297,85 @@
               <a:t>2</a:t>
             </a:fld>
             <a:endParaRPr lang="en-US">
+              <a:latin typeface="Times New Roman" panose="02020603050405020304" pitchFamily="18" charset="0"/>
+              <a:cs typeface="Times New Roman" panose="02020603050405020304" pitchFamily="18" charset="0"/>
+            </a:endParaRPr>
+          </a:p>
+        </p:txBody>
+      </p:sp>
+      <p:sp>
+        <p:nvSpPr>
+          <p:cNvPr id="4" name="Hộp Văn bản 3">
+            <a:extLst>
+              <a:ext uri="{FF2B5EF4-FFF2-40B4-BE49-F238E27FC236}">
+                <a16:creationId xmlns:a16="http://schemas.microsoft.com/office/drawing/2014/main" id="{4FBD146A-CC64-F72B-F94D-E9792E807AB6}"/>
+              </a:ext>
+            </a:extLst>
+          </p:cNvPr>
+          <p:cNvSpPr txBox="1"/>
+          <p:nvPr/>
+        </p:nvSpPr>
+        <p:spPr>
+          <a:xfrm>
+            <a:off x="1554594" y="5046453"/>
+            <a:ext cx="8538312" cy="369332"/>
+          </a:xfrm>
+          <a:prstGeom prst="rect">
+            <a:avLst/>
+          </a:prstGeom>
+          <a:noFill/>
+        </p:spPr>
+        <p:txBody>
+          <a:bodyPr wrap="square" rtlCol="0">
+            <a:spAutoFit/>
+          </a:bodyPr>
+          <a:lstStyle/>
+          <a:p>
+            <a:r>
+              <a:rPr lang="vi-VN" dirty="0" err="1">
+                <a:latin typeface="Times New Roman" panose="02020603050405020304" pitchFamily="18" charset="0"/>
+                <a:cs typeface="Times New Roman" panose="02020603050405020304" pitchFamily="18" charset="0"/>
+              </a:rPr>
+              <a:t>Link</a:t>
+            </a:r>
+            <a:r>
+              <a:rPr lang="vi-VN" dirty="0">
+                <a:latin typeface="Times New Roman" panose="02020603050405020304" pitchFamily="18" charset="0"/>
+                <a:cs typeface="Times New Roman" panose="02020603050405020304" pitchFamily="18" charset="0"/>
+              </a:rPr>
+              <a:t> </a:t>
+            </a:r>
+            <a:r>
+              <a:rPr lang="vi-VN" dirty="0" err="1">
+                <a:latin typeface="Times New Roman" panose="02020603050405020304" pitchFamily="18" charset="0"/>
+                <a:cs typeface="Times New Roman" panose="02020603050405020304" pitchFamily="18" charset="0"/>
+              </a:rPr>
+              <a:t>Github</a:t>
+            </a:r>
+            <a:r>
+              <a:rPr lang="vi-VN" dirty="0">
+                <a:latin typeface="Times New Roman" panose="02020603050405020304" pitchFamily="18" charset="0"/>
+                <a:cs typeface="Times New Roman" panose="02020603050405020304" pitchFamily="18" charset="0"/>
+              </a:rPr>
+              <a:t>: </a:t>
+            </a:r>
+            <a:r>
+              <a:rPr lang="vi-VN" dirty="0" err="1">
+                <a:latin typeface="Times New Roman" panose="02020603050405020304" pitchFamily="18" charset="0"/>
+                <a:cs typeface="Times New Roman" panose="02020603050405020304" pitchFamily="18" charset="0"/>
+                <a:hlinkClick r:id="rId2"/>
+              </a:rPr>
+              <a:t>TTThang</a:t>
+            </a:r>
+            <a:r>
+              <a:rPr lang="vi-VN" dirty="0">
+                <a:latin typeface="Times New Roman" panose="02020603050405020304" pitchFamily="18" charset="0"/>
+                <a:cs typeface="Times New Roman" panose="02020603050405020304" pitchFamily="18" charset="0"/>
+                <a:hlinkClick r:id="rId2"/>
+              </a:rPr>
+              <a:t>/ISIC-FastSCNN-MMSegmentation.git</a:t>
+            </a:r>
+            <a:endParaRPr lang="en-US" dirty="0">
               <a:latin typeface="Times New Roman" panose="02020603050405020304" pitchFamily="18" charset="0"/>
               <a:cs typeface="Times New Roman" panose="02020603050405020304" pitchFamily="18" charset="0"/>
             </a:endParaRPr>
